--- a/PythonKeywordsandIdentifier.pptx
+++ b/PythonKeywordsandIdentifier.pptx
@@ -14417,7 +14417,7 @@
               <a:t>We can also use camel-case style of writing, i.e., capitalize every first letter of the word except the initial word without any spaces. For example: </a:t>
             </a:r>
             <a:r>
-              <a:rPr lang="en-US"/>
+              <a:rPr lang="en-US" dirty="0" err="1"/>
               <a:t>camelCaseExample</a:t>
             </a:r>
             <a:endParaRPr lang="en-US" dirty="0"/>
